--- a/docs/SI3 – PARM Project - ArchiPoly.pptx
+++ b/docs/SI3 – PARM Project - ArchiPoly.pptx
@@ -9,12 +9,13 @@
     <p:sldId id="257" r:id="rId3"/>
     <p:sldId id="258" r:id="rId4"/>
     <p:sldId id="259" r:id="rId5"/>
-    <p:sldId id="260" r:id="rId6"/>
-    <p:sldId id="261" r:id="rId7"/>
-    <p:sldId id="267" r:id="rId8"/>
-    <p:sldId id="263" r:id="rId9"/>
-    <p:sldId id="268" r:id="rId10"/>
-    <p:sldId id="266" r:id="rId11"/>
+    <p:sldId id="261" r:id="rId6"/>
+    <p:sldId id="260" r:id="rId7"/>
+    <p:sldId id="268" r:id="rId8"/>
+    <p:sldId id="267" r:id="rId9"/>
+    <p:sldId id="269" r:id="rId10"/>
+    <p:sldId id="263" r:id="rId11"/>
+    <p:sldId id="266" r:id="rId12"/>
   </p:sldIdLst>
   <p:sldSz cx="12192000" cy="6858000"/>
   <p:notesSz cx="6858000" cy="9144000"/>
@@ -268,7 +269,7 @@
           <a:p>
             <a:fld id="{4F1883B4-AE99-469B-B0F5-2430523596C3}" type="datetimeFigureOut">
               <a:rPr lang="fr-FR" smtClean="0"/>
-              <a:t>26/01/2024</a:t>
+              <a:t>07/02/2024</a:t>
             </a:fld>
             <a:endParaRPr lang="fr-FR"/>
           </a:p>
@@ -466,7 +467,7 @@
           <a:p>
             <a:fld id="{4F1883B4-AE99-469B-B0F5-2430523596C3}" type="datetimeFigureOut">
               <a:rPr lang="fr-FR" smtClean="0"/>
-              <a:t>26/01/2024</a:t>
+              <a:t>07/02/2024</a:t>
             </a:fld>
             <a:endParaRPr lang="fr-FR"/>
           </a:p>
@@ -674,7 +675,7 @@
           <a:p>
             <a:fld id="{4F1883B4-AE99-469B-B0F5-2430523596C3}" type="datetimeFigureOut">
               <a:rPr lang="fr-FR" smtClean="0"/>
-              <a:t>26/01/2024</a:t>
+              <a:t>07/02/2024</a:t>
             </a:fld>
             <a:endParaRPr lang="fr-FR"/>
           </a:p>
@@ -872,7 +873,7 @@
           <a:p>
             <a:fld id="{4F1883B4-AE99-469B-B0F5-2430523596C3}" type="datetimeFigureOut">
               <a:rPr lang="fr-FR" smtClean="0"/>
-              <a:t>26/01/2024</a:t>
+              <a:t>07/02/2024</a:t>
             </a:fld>
             <a:endParaRPr lang="fr-FR"/>
           </a:p>
@@ -1147,7 +1148,7 @@
           <a:p>
             <a:fld id="{4F1883B4-AE99-469B-B0F5-2430523596C3}" type="datetimeFigureOut">
               <a:rPr lang="fr-FR" smtClean="0"/>
-              <a:t>26/01/2024</a:t>
+              <a:t>07/02/2024</a:t>
             </a:fld>
             <a:endParaRPr lang="fr-FR"/>
           </a:p>
@@ -1412,7 +1413,7 @@
           <a:p>
             <a:fld id="{4F1883B4-AE99-469B-B0F5-2430523596C3}" type="datetimeFigureOut">
               <a:rPr lang="fr-FR" smtClean="0"/>
-              <a:t>26/01/2024</a:t>
+              <a:t>07/02/2024</a:t>
             </a:fld>
             <a:endParaRPr lang="fr-FR"/>
           </a:p>
@@ -1824,7 +1825,7 @@
           <a:p>
             <a:fld id="{4F1883B4-AE99-469B-B0F5-2430523596C3}" type="datetimeFigureOut">
               <a:rPr lang="fr-FR" smtClean="0"/>
-              <a:t>26/01/2024</a:t>
+              <a:t>07/02/2024</a:t>
             </a:fld>
             <a:endParaRPr lang="fr-FR"/>
           </a:p>
@@ -1965,7 +1966,7 @@
           <a:p>
             <a:fld id="{4F1883B4-AE99-469B-B0F5-2430523596C3}" type="datetimeFigureOut">
               <a:rPr lang="fr-FR" smtClean="0"/>
-              <a:t>26/01/2024</a:t>
+              <a:t>07/02/2024</a:t>
             </a:fld>
             <a:endParaRPr lang="fr-FR"/>
           </a:p>
@@ -2078,7 +2079,7 @@
           <a:p>
             <a:fld id="{4F1883B4-AE99-469B-B0F5-2430523596C3}" type="datetimeFigureOut">
               <a:rPr lang="fr-FR" smtClean="0"/>
-              <a:t>26/01/2024</a:t>
+              <a:t>07/02/2024</a:t>
             </a:fld>
             <a:endParaRPr lang="fr-FR"/>
           </a:p>
@@ -2389,7 +2390,7 @@
           <a:p>
             <a:fld id="{4F1883B4-AE99-469B-B0F5-2430523596C3}" type="datetimeFigureOut">
               <a:rPr lang="fr-FR" smtClean="0"/>
-              <a:t>26/01/2024</a:t>
+              <a:t>07/02/2024</a:t>
             </a:fld>
             <a:endParaRPr lang="fr-FR"/>
           </a:p>
@@ -2677,7 +2678,7 @@
           <a:p>
             <a:fld id="{4F1883B4-AE99-469B-B0F5-2430523596C3}" type="datetimeFigureOut">
               <a:rPr lang="fr-FR" smtClean="0"/>
-              <a:t>26/01/2024</a:t>
+              <a:t>07/02/2024</a:t>
             </a:fld>
             <a:endParaRPr lang="fr-FR"/>
           </a:p>
@@ -2918,7 +2919,7 @@
           <a:p>
             <a:fld id="{4F1883B4-AE99-469B-B0F5-2430523596C3}" type="datetimeFigureOut">
               <a:rPr lang="fr-FR" smtClean="0"/>
-              <a:t>26/01/2024</a:t>
+              <a:t>07/02/2024</a:t>
             </a:fld>
             <a:endParaRPr lang="fr-FR"/>
           </a:p>
@@ -3731,6 +3732,154 @@
           <p:cNvPr id="2" name="Titre 1">
             <a:extLst>
               <a:ext uri="{FF2B5EF4-FFF2-40B4-BE49-F238E27FC236}">
+                <a16:creationId xmlns:a16="http://schemas.microsoft.com/office/drawing/2014/main" id="{293F9BC3-20AF-35A6-731C-2F629EA4946C}"/>
+              </a:ext>
+            </a:extLst>
+          </p:cNvPr>
+          <p:cNvSpPr>
+            <a:spLocks noGrp="1"/>
+          </p:cNvSpPr>
+          <p:nvPr>
+            <p:ph type="ctrTitle"/>
+          </p:nvPr>
+        </p:nvSpPr>
+        <p:spPr>
+          <a:xfrm>
+            <a:off x="391885" y="1569001"/>
+            <a:ext cx="11327363" cy="2387600"/>
+          </a:xfrm>
+        </p:spPr>
+        <p:txBody>
+          <a:bodyPr>
+            <a:normAutofit/>
+          </a:bodyPr>
+          <a:lstStyle/>
+          <a:p>
+            <a:r>
+              <a:rPr lang="fr-FR" sz="4800" dirty="0">
+                <a:solidFill>
+                  <a:schemeClr val="accent1">
+                    <a:lumMod val="75000"/>
+                  </a:schemeClr>
+                </a:solidFill>
+              </a:rPr>
+              <a:t>Démonstration 2) : passage au CPU d’un code C compilé</a:t>
+            </a:r>
+          </a:p>
+        </p:txBody>
+      </p:sp>
+      <p:sp>
+        <p:nvSpPr>
+          <p:cNvPr id="3" name="Sous-titre 2">
+            <a:extLst>
+              <a:ext uri="{FF2B5EF4-FFF2-40B4-BE49-F238E27FC236}">
+                <a16:creationId xmlns:a16="http://schemas.microsoft.com/office/drawing/2014/main" id="{15BDD884-5957-2089-2044-335EA8891906}"/>
+              </a:ext>
+            </a:extLst>
+          </p:cNvPr>
+          <p:cNvSpPr>
+            <a:spLocks noGrp="1"/>
+          </p:cNvSpPr>
+          <p:nvPr>
+            <p:ph type="subTitle" idx="1"/>
+          </p:nvPr>
+        </p:nvSpPr>
+        <p:spPr>
+          <a:xfrm>
+            <a:off x="391885" y="4107638"/>
+            <a:ext cx="11513976" cy="1655762"/>
+          </a:xfrm>
+        </p:spPr>
+        <p:txBody>
+          <a:bodyPr>
+            <a:normAutofit/>
+          </a:bodyPr>
+          <a:lstStyle/>
+          <a:p>
+            <a:r>
+              <a:rPr lang="fr-FR" sz="2000" dirty="0">
+                <a:solidFill>
+                  <a:schemeClr val="accent1">
+                    <a:lumMod val="75000"/>
+                  </a:schemeClr>
+                </a:solidFill>
+              </a:rPr>
+              <a:t>Nous allons compiler un code C à l’aide de notre programme, puis nous allons le charger dans le CPU</a:t>
+            </a:r>
+          </a:p>
+        </p:txBody>
+      </p:sp>
+      <p:pic>
+        <p:nvPicPr>
+          <p:cNvPr id="5" name="Image 4" descr="Une image contenant Police, Graphique, logo, graphisme&#10;&#10;Description générée automatiquement">
+            <a:extLst>
+              <a:ext uri="{FF2B5EF4-FFF2-40B4-BE49-F238E27FC236}">
+                <a16:creationId xmlns:a16="http://schemas.microsoft.com/office/drawing/2014/main" id="{729E0E53-C9B9-7EE1-2182-55B5E59A94FB}"/>
+              </a:ext>
+            </a:extLst>
+          </p:cNvPr>
+          <p:cNvPicPr>
+            <a:picLocks noChangeAspect="1"/>
+          </p:cNvPicPr>
+          <p:nvPr/>
+        </p:nvPicPr>
+        <p:blipFill>
+          <a:blip r:embed="rId2">
+            <a:extLst>
+              <a:ext uri="{28A0092B-C50C-407E-A947-70E740481C1C}">
+                <a14:useLocalDpi xmlns:a14="http://schemas.microsoft.com/office/drawing/2010/main" val="0"/>
+              </a:ext>
+            </a:extLst>
+          </a:blip>
+          <a:stretch>
+            <a:fillRect/>
+          </a:stretch>
+        </p:blipFill>
+        <p:spPr>
+          <a:xfrm>
+            <a:off x="0" y="5894934"/>
+            <a:ext cx="3103984" cy="963066"/>
+          </a:xfrm>
+          <a:prstGeom prst="rect">
+            <a:avLst/>
+          </a:prstGeom>
+        </p:spPr>
+      </p:pic>
+    </p:spTree>
+    <p:extLst>
+      <p:ext uri="{BB962C8B-B14F-4D97-AF65-F5344CB8AC3E}">
+        <p14:creationId xmlns:p14="http://schemas.microsoft.com/office/powerpoint/2010/main" val="2917886073"/>
+      </p:ext>
+    </p:extLst>
+  </p:cSld>
+  <p:clrMapOvr>
+    <a:masterClrMapping/>
+  </p:clrMapOvr>
+</p:sld>
+</file>
+
+<file path=ppt/slides/slide11.xml><?xml version="1.0" encoding="utf-8"?>
+<p:sld xmlns:a="http://schemas.openxmlformats.org/drawingml/2006/main" xmlns:r="http://schemas.openxmlformats.org/officeDocument/2006/relationships" xmlns:p="http://schemas.openxmlformats.org/presentationml/2006/main">
+  <p:cSld>
+    <p:spTree>
+      <p:nvGrpSpPr>
+        <p:cNvPr id="1" name=""/>
+        <p:cNvGrpSpPr/>
+        <p:nvPr/>
+      </p:nvGrpSpPr>
+      <p:grpSpPr>
+        <a:xfrm>
+          <a:off x="0" y="0"/>
+          <a:ext cx="0" cy="0"/>
+          <a:chOff x="0" y="0"/>
+          <a:chExt cx="0" cy="0"/>
+        </a:xfrm>
+      </p:grpSpPr>
+      <p:sp>
+        <p:nvSpPr>
+          <p:cNvPr id="2" name="Titre 1">
+            <a:extLst>
+              <a:ext uri="{FF2B5EF4-FFF2-40B4-BE49-F238E27FC236}">
                 <a16:creationId xmlns:a16="http://schemas.microsoft.com/office/drawing/2014/main" id="{E7F13811-E8C8-6CA1-0BC9-E1EBA5858149}"/>
               </a:ext>
             </a:extLst>
@@ -3951,6 +4100,52 @@
           </a:sp3d>
         </p:spPr>
       </p:pic>
+      <p:cxnSp>
+        <p:nvCxnSpPr>
+          <p:cNvPr id="3" name="Connecteur droit 2">
+            <a:extLst>
+              <a:ext uri="{FF2B5EF4-FFF2-40B4-BE49-F238E27FC236}">
+                <a16:creationId xmlns:a16="http://schemas.microsoft.com/office/drawing/2014/main" id="{978DEFEC-0A47-B1A5-FD4F-B4BD713AE8BD}"/>
+              </a:ext>
+            </a:extLst>
+          </p:cNvPr>
+          <p:cNvCxnSpPr>
+            <a:cxnSpLocks/>
+          </p:cNvCxnSpPr>
+          <p:nvPr/>
+        </p:nvCxnSpPr>
+        <p:spPr>
+          <a:xfrm flipH="1">
+            <a:off x="922446" y="3440031"/>
+            <a:ext cx="10058400" cy="0"/>
+          </a:xfrm>
+          <a:prstGeom prst="line">
+            <a:avLst/>
+          </a:prstGeom>
+          <a:ln>
+            <a:solidFill>
+              <a:schemeClr val="tx2">
+                <a:lumMod val="90000"/>
+                <a:lumOff val="10000"/>
+              </a:schemeClr>
+            </a:solidFill>
+          </a:ln>
+        </p:spPr>
+        <p:style>
+          <a:lnRef idx="2">
+            <a:schemeClr val="accent1"/>
+          </a:lnRef>
+          <a:fillRef idx="0">
+            <a:schemeClr val="accent1"/>
+          </a:fillRef>
+          <a:effectRef idx="1">
+            <a:schemeClr val="accent1"/>
+          </a:effectRef>
+          <a:fontRef idx="minor">
+            <a:schemeClr val="tx1"/>
+          </a:fontRef>
+        </p:style>
+      </p:cxnSp>
     </p:spTree>
     <p:extLst>
       <p:ext uri="{BB962C8B-B14F-4D97-AF65-F5344CB8AC3E}">
@@ -3999,8 +4194,8 @@
         </p:nvSpPr>
         <p:spPr>
           <a:xfrm>
-            <a:off x="497305" y="1825625"/>
-            <a:ext cx="11486147" cy="4351338"/>
+            <a:off x="497305" y="671804"/>
+            <a:ext cx="11486147" cy="5505159"/>
           </a:xfrm>
         </p:spPr>
         <p:txBody>
@@ -4014,7 +4209,7 @@
               <a:buNone/>
             </a:pPr>
             <a:r>
-              <a:rPr lang="fr-FR" sz="3200" b="1" dirty="0">
+              <a:rPr lang="fr-FR" sz="4400" dirty="0">
                 <a:solidFill>
                   <a:schemeClr val="tx2"/>
                 </a:solidFill>
@@ -4027,7 +4222,7 @@
                   <a:schemeClr val="tx2"/>
                 </a:solidFill>
               </a:rPr>
-              <a:t> : </a:t>
+              <a:t> </a:t>
             </a:r>
           </a:p>
           <a:p>
@@ -4050,13 +4245,39 @@
               </a:lnSpc>
               <a:buNone/>
             </a:pPr>
+            <a:endParaRPr lang="fr-FR" dirty="0">
+              <a:solidFill>
+                <a:schemeClr val="tx2"/>
+              </a:solidFill>
+            </a:endParaRPr>
+          </a:p>
+          <a:p>
+            <a:pPr marL="0" indent="0" algn="ctr">
+              <a:lnSpc>
+                <a:spcPct val="80000"/>
+              </a:lnSpc>
+              <a:buNone/>
+            </a:pPr>
+            <a:endParaRPr lang="fr-FR" dirty="0">
+              <a:solidFill>
+                <a:schemeClr val="tx2"/>
+              </a:solidFill>
+            </a:endParaRPr>
+          </a:p>
+          <a:p>
+            <a:pPr marL="0" indent="0" algn="ctr">
+              <a:lnSpc>
+                <a:spcPct val="80000"/>
+              </a:lnSpc>
+              <a:buNone/>
+            </a:pPr>
             <a:r>
               <a:rPr lang="fr-FR" dirty="0">
                 <a:solidFill>
                   <a:schemeClr val="tx2"/>
                 </a:solidFill>
               </a:rPr>
-              <a:t>Développer un modèle simplifié de micro-processeur arm cortex m0 sur </a:t>
+              <a:t>Développer un modèle simplifié de micro-processeur ARM Cortex M0 sur </a:t>
             </a:r>
             <a:r>
               <a:rPr lang="fr-FR" dirty="0" err="1">
@@ -4064,7 +4285,7 @@
                   <a:schemeClr val="tx2"/>
                 </a:solidFill>
               </a:rPr>
-              <a:t>logisim</a:t>
+              <a:t>Logisim</a:t>
             </a:r>
             <a:r>
               <a:rPr lang="fr-FR" dirty="0">
@@ -4072,14 +4293,15 @@
                   <a:schemeClr val="tx2"/>
                 </a:solidFill>
               </a:rPr>
-              <a:t> évolution.</a:t>
-            </a:r>
-          </a:p>
-          <a:p>
-            <a:pPr>
+              <a:t> Evolution.</a:t>
+            </a:r>
+          </a:p>
+          <a:p>
+            <a:pPr marL="0" indent="0" algn="ctr">
               <a:lnSpc>
                 <a:spcPct val="80000"/>
               </a:lnSpc>
+              <a:buNone/>
             </a:pPr>
             <a:endParaRPr lang="fr-FR" dirty="0">
               <a:solidFill>
@@ -4144,6 +4366,52 @@
           </a:prstGeom>
         </p:spPr>
       </p:pic>
+      <p:cxnSp>
+        <p:nvCxnSpPr>
+          <p:cNvPr id="2" name="Connecteur droit 1">
+            <a:extLst>
+              <a:ext uri="{FF2B5EF4-FFF2-40B4-BE49-F238E27FC236}">
+                <a16:creationId xmlns:a16="http://schemas.microsoft.com/office/drawing/2014/main" id="{D0850B3B-FB11-122D-6A86-0A34EDB30541}"/>
+              </a:ext>
+            </a:extLst>
+          </p:cNvPr>
+          <p:cNvCxnSpPr>
+            <a:cxnSpLocks/>
+          </p:cNvCxnSpPr>
+          <p:nvPr/>
+        </p:nvCxnSpPr>
+        <p:spPr>
+          <a:xfrm flipH="1">
+            <a:off x="940837" y="1345308"/>
+            <a:ext cx="10058400" cy="0"/>
+          </a:xfrm>
+          <a:prstGeom prst="line">
+            <a:avLst/>
+          </a:prstGeom>
+          <a:ln>
+            <a:solidFill>
+              <a:schemeClr val="tx2">
+                <a:lumMod val="90000"/>
+                <a:lumOff val="10000"/>
+              </a:schemeClr>
+            </a:solidFill>
+          </a:ln>
+        </p:spPr>
+        <p:style>
+          <a:lnRef idx="2">
+            <a:schemeClr val="accent1"/>
+          </a:lnRef>
+          <a:fillRef idx="0">
+            <a:schemeClr val="accent1"/>
+          </a:fillRef>
+          <a:effectRef idx="1">
+            <a:schemeClr val="accent1"/>
+          </a:effectRef>
+          <a:fontRef idx="minor">
+            <a:schemeClr val="tx1"/>
+          </a:fontRef>
+        </p:style>
+      </p:cxnSp>
     </p:spTree>
     <p:extLst>
       <p:ext uri="{BB962C8B-B14F-4D97-AF65-F5344CB8AC3E}">
@@ -4225,7 +4493,7 @@
         </p:nvSpPr>
         <p:spPr>
           <a:xfrm>
-            <a:off x="838200" y="1928262"/>
+            <a:off x="838200" y="2141537"/>
             <a:ext cx="10515600" cy="4351338"/>
           </a:xfrm>
         </p:spPr>
@@ -4272,13 +4540,18 @@
               <a:t>II – </a:t>
             </a:r>
             <a:r>
-              <a:rPr lang="fr-FR" sz="2800" dirty="0">
+              <a:rPr lang="fr-FR" dirty="0">
                 <a:solidFill>
                   <a:schemeClr val="tx2"/>
                 </a:solidFill>
               </a:rPr>
-              <a:t>Démonstrations (CPU + Assembleur)</a:t>
-            </a:r>
+              <a:t>Tâches effectuées</a:t>
+            </a:r>
+            <a:endParaRPr lang="fr-FR" sz="2800" dirty="0">
+              <a:solidFill>
+                <a:schemeClr val="tx2"/>
+              </a:solidFill>
+            </a:endParaRPr>
           </a:p>
           <a:p>
             <a:pPr marL="0" indent="0">
@@ -4296,13 +4569,18 @@
               <a:t>III – </a:t>
             </a:r>
             <a:r>
-              <a:rPr lang="fr-FR" dirty="0">
+              <a:rPr lang="fr-FR" sz="2800" dirty="0">
                 <a:solidFill>
                   <a:schemeClr val="tx2"/>
                 </a:solidFill>
               </a:rPr>
-              <a:t>Tâches effectuées</a:t>
-            </a:r>
+              <a:t>Démonstrations (CPU + Assembleur) </a:t>
+            </a:r>
+            <a:endParaRPr lang="en-US" sz="2800" dirty="0">
+              <a:solidFill>
+                <a:schemeClr val="tx2"/>
+              </a:solidFill>
+            </a:endParaRPr>
           </a:p>
           <a:p>
             <a:pPr marL="0" indent="0">
@@ -4312,12 +4590,28 @@
               <a:buNone/>
             </a:pPr>
             <a:r>
+              <a:rPr lang="en-US" sz="2800" dirty="0">
+                <a:solidFill>
+                  <a:schemeClr val="tx2"/>
+                </a:solidFill>
+              </a:rPr>
+              <a:t>IV</a:t>
+            </a:r>
+            <a:r>
+              <a:rPr lang="en-US" dirty="0">
+                <a:solidFill>
+                  <a:schemeClr val="tx2"/>
+                </a:solidFill>
+              </a:rPr>
+              <a:t> – </a:t>
+            </a:r>
+            <a:r>
               <a:rPr lang="fr-FR" sz="2800" dirty="0">
                 <a:solidFill>
                   <a:schemeClr val="tx2"/>
                 </a:solidFill>
               </a:rPr>
-              <a:t>IV – Points forts de notre projet</a:t>
+              <a:t>Couverture globale des tests</a:t>
             </a:r>
           </a:p>
           <a:p>
@@ -4328,12 +4622,28 @@
               <a:buNone/>
             </a:pPr>
             <a:r>
+              <a:rPr lang="fr-FR" sz="2800" dirty="0">
+                <a:solidFill>
+                  <a:schemeClr val="tx2"/>
+                </a:solidFill>
+              </a:rPr>
+              <a:t>V – Points forts de notre projet</a:t>
+            </a:r>
+          </a:p>
+          <a:p>
+            <a:pPr marL="0" indent="0">
+              <a:spcBef>
+                <a:spcPts val="1200"/>
+              </a:spcBef>
+              <a:buNone/>
+            </a:pPr>
+            <a:r>
               <a:rPr lang="en-US" sz="2800" dirty="0">
                 <a:solidFill>
                   <a:schemeClr val="tx2"/>
                 </a:solidFill>
               </a:rPr>
-              <a:t>V – </a:t>
+              <a:t>VI – </a:t>
             </a:r>
             <a:r>
               <a:rPr lang="fr-FR" sz="2800" dirty="0">
@@ -4367,46 +4677,6 @@
               </a:rPr>
               <a:t> passé au CPU</a:t>
             </a:r>
-          </a:p>
-          <a:p>
-            <a:pPr marL="0" indent="0">
-              <a:spcBef>
-                <a:spcPts val="1200"/>
-              </a:spcBef>
-              <a:buNone/>
-            </a:pPr>
-            <a:r>
-              <a:rPr lang="en-US" sz="2800" dirty="0">
-                <a:solidFill>
-                  <a:schemeClr val="tx2"/>
-                </a:solidFill>
-              </a:rPr>
-              <a:t>VI</a:t>
-            </a:r>
-            <a:r>
-              <a:rPr lang="en-US" dirty="0">
-                <a:solidFill>
-                  <a:schemeClr val="tx2"/>
-                </a:solidFill>
-              </a:rPr>
-              <a:t> – </a:t>
-            </a:r>
-            <a:r>
-              <a:rPr lang="fr-FR" sz="2800" dirty="0">
-                <a:solidFill>
-                  <a:schemeClr val="tx2"/>
-                </a:solidFill>
-              </a:rPr>
-              <a:t>Couverture globale des tests</a:t>
-            </a:r>
-          </a:p>
-          <a:p>
-            <a:pPr marL="0" indent="0">
-              <a:spcBef>
-                <a:spcPts val="1200"/>
-              </a:spcBef>
-              <a:buNone/>
-            </a:pPr>
             <a:endParaRPr lang="fr-FR" dirty="0"/>
           </a:p>
         </p:txBody>
@@ -4447,6 +4717,52 @@
           </a:prstGeom>
         </p:spPr>
       </p:pic>
+      <p:cxnSp>
+        <p:nvCxnSpPr>
+          <p:cNvPr id="4" name="Connecteur droit 3">
+            <a:extLst>
+              <a:ext uri="{FF2B5EF4-FFF2-40B4-BE49-F238E27FC236}">
+                <a16:creationId xmlns:a16="http://schemas.microsoft.com/office/drawing/2014/main" id="{87969A6D-1B73-6859-14FA-0F9153630F8A}"/>
+              </a:ext>
+            </a:extLst>
+          </p:cNvPr>
+          <p:cNvCxnSpPr>
+            <a:cxnSpLocks/>
+          </p:cNvCxnSpPr>
+          <p:nvPr/>
+        </p:nvCxnSpPr>
+        <p:spPr>
+          <a:xfrm flipH="1">
+            <a:off x="978159" y="1447945"/>
+            <a:ext cx="10058400" cy="0"/>
+          </a:xfrm>
+          <a:prstGeom prst="line">
+            <a:avLst/>
+          </a:prstGeom>
+          <a:ln>
+            <a:solidFill>
+              <a:schemeClr val="tx2">
+                <a:lumMod val="90000"/>
+                <a:lumOff val="10000"/>
+              </a:schemeClr>
+            </a:solidFill>
+          </a:ln>
+        </p:spPr>
+        <p:style>
+          <a:lnRef idx="2">
+            <a:schemeClr val="accent1"/>
+          </a:lnRef>
+          <a:fillRef idx="0">
+            <a:schemeClr val="accent1"/>
+          </a:fillRef>
+          <a:effectRef idx="1">
+            <a:schemeClr val="accent1"/>
+          </a:effectRef>
+          <a:fontRef idx="minor">
+            <a:schemeClr val="tx1"/>
+          </a:fontRef>
+        </p:style>
+      </p:cxnSp>
     </p:spTree>
     <p:extLst>
       <p:ext uri="{BB962C8B-B14F-4D97-AF65-F5344CB8AC3E}">
@@ -4477,6 +4793,36 @@
           <a:chExt cx="0" cy="0"/>
         </a:xfrm>
       </p:grpSpPr>
+      <p:pic>
+        <p:nvPicPr>
+          <p:cNvPr id="11" name="Image 10">
+            <a:extLst>
+              <a:ext uri="{FF2B5EF4-FFF2-40B4-BE49-F238E27FC236}">
+                <a16:creationId xmlns:a16="http://schemas.microsoft.com/office/drawing/2014/main" id="{7E51463C-DCF4-F771-A8D4-50AE9E15ED05}"/>
+              </a:ext>
+            </a:extLst>
+          </p:cNvPr>
+          <p:cNvPicPr>
+            <a:picLocks noChangeAspect="1"/>
+          </p:cNvPicPr>
+          <p:nvPr/>
+        </p:nvPicPr>
+        <p:blipFill>
+          <a:blip r:embed="rId2"/>
+          <a:stretch>
+            <a:fillRect/>
+          </a:stretch>
+        </p:blipFill>
+        <p:spPr>
+          <a:xfrm>
+            <a:off x="1852685" y="1084303"/>
+            <a:ext cx="8375106" cy="4724809"/>
+          </a:xfrm>
+          <a:prstGeom prst="rect">
+            <a:avLst/>
+          </a:prstGeom>
+        </p:spPr>
+      </p:pic>
       <p:sp>
         <p:nvSpPr>
           <p:cNvPr id="2" name="Titre 1">
@@ -4538,36 +4884,6 @@
           </a:p>
         </p:txBody>
       </p:sp>
-      <p:pic>
-        <p:nvPicPr>
-          <p:cNvPr id="4" name="Image 3">
-            <a:extLst>
-              <a:ext uri="{FF2B5EF4-FFF2-40B4-BE49-F238E27FC236}">
-                <a16:creationId xmlns:a16="http://schemas.microsoft.com/office/drawing/2014/main" id="{48DA31A4-612D-13CB-8A6F-AC091BDCAB34}"/>
-              </a:ext>
-            </a:extLst>
-          </p:cNvPr>
-          <p:cNvPicPr>
-            <a:picLocks noChangeAspect="1"/>
-          </p:cNvPicPr>
-          <p:nvPr/>
-        </p:nvPicPr>
-        <p:blipFill>
-          <a:blip r:embed="rId2"/>
-          <a:stretch>
-            <a:fillRect/>
-          </a:stretch>
-        </p:blipFill>
-        <p:spPr>
-          <a:xfrm>
-            <a:off x="2334764" y="1325563"/>
-            <a:ext cx="7522472" cy="4314060"/>
-          </a:xfrm>
-          <a:prstGeom prst="rect">
-            <a:avLst/>
-          </a:prstGeom>
-        </p:spPr>
-      </p:pic>
       <p:cxnSp>
         <p:nvCxnSpPr>
           <p:cNvPr id="8" name="Connecteur droit avec flèche 7">
@@ -4577,13 +4893,15 @@
               </a:ext>
             </a:extLst>
           </p:cNvPr>
-          <p:cNvCxnSpPr/>
+          <p:cNvCxnSpPr>
+            <a:cxnSpLocks/>
+          </p:cNvCxnSpPr>
           <p:nvPr/>
         </p:nvCxnSpPr>
         <p:spPr>
           <a:xfrm flipV="1">
-            <a:off x="2565918" y="4711959"/>
-            <a:ext cx="1819470" cy="513184"/>
+            <a:off x="2565918" y="4711960"/>
+            <a:ext cx="1539551" cy="513183"/>
           </a:xfrm>
           <a:prstGeom prst="straightConnector1">
             <a:avLst/>
@@ -4622,13 +4940,15 @@
               </a:ext>
             </a:extLst>
           </p:cNvPr>
-          <p:cNvCxnSpPr/>
+          <p:cNvCxnSpPr>
+            <a:cxnSpLocks/>
+          </p:cNvCxnSpPr>
           <p:nvPr/>
         </p:nvCxnSpPr>
         <p:spPr>
           <a:xfrm>
             <a:off x="2463282" y="1184988"/>
-            <a:ext cx="3928187" cy="1054359"/>
+            <a:ext cx="3442996" cy="961053"/>
           </a:xfrm>
           <a:prstGeom prst="straightConnector1">
             <a:avLst/>
@@ -4667,13 +4987,15 @@
               </a:ext>
             </a:extLst>
           </p:cNvPr>
-          <p:cNvCxnSpPr/>
+          <p:cNvCxnSpPr>
+            <a:cxnSpLocks/>
+          </p:cNvCxnSpPr>
           <p:nvPr/>
         </p:nvCxnSpPr>
         <p:spPr>
           <a:xfrm flipH="1" flipV="1">
-            <a:off x="8042988" y="4968551"/>
-            <a:ext cx="1408922" cy="592494"/>
+            <a:off x="8154284" y="5134885"/>
+            <a:ext cx="1297626" cy="426160"/>
           </a:xfrm>
           <a:prstGeom prst="straightConnector1">
             <a:avLst/>
@@ -4900,154 +5222,6 @@
           <p:cNvPr id="2" name="Titre 1">
             <a:extLst>
               <a:ext uri="{FF2B5EF4-FFF2-40B4-BE49-F238E27FC236}">
-                <a16:creationId xmlns:a16="http://schemas.microsoft.com/office/drawing/2014/main" id="{B0DE568E-979B-FFE7-6ADC-BCEE1F8EA659}"/>
-              </a:ext>
-            </a:extLst>
-          </p:cNvPr>
-          <p:cNvSpPr>
-            <a:spLocks noGrp="1"/>
-          </p:cNvSpPr>
-          <p:nvPr>
-            <p:ph type="ctrTitle"/>
-          </p:nvPr>
-        </p:nvSpPr>
-        <p:spPr>
-          <a:xfrm>
-            <a:off x="307910" y="1122363"/>
-            <a:ext cx="11541968" cy="2387600"/>
-          </a:xfrm>
-        </p:spPr>
-        <p:txBody>
-          <a:bodyPr>
-            <a:normAutofit/>
-          </a:bodyPr>
-          <a:lstStyle/>
-          <a:p>
-            <a:r>
-              <a:rPr lang="fr-FR" sz="4800" dirty="0">
-                <a:solidFill>
-                  <a:schemeClr val="accent1">
-                    <a:lumMod val="50000"/>
-                  </a:schemeClr>
-                </a:solidFill>
-              </a:rPr>
-              <a:t>Démonstration – tests CPU + Assembleur</a:t>
-            </a:r>
-          </a:p>
-        </p:txBody>
-      </p:sp>
-      <p:sp>
-        <p:nvSpPr>
-          <p:cNvPr id="3" name="Sous-titre 2">
-            <a:extLst>
-              <a:ext uri="{FF2B5EF4-FFF2-40B4-BE49-F238E27FC236}">
-                <a16:creationId xmlns:a16="http://schemas.microsoft.com/office/drawing/2014/main" id="{06B99117-6CC2-989D-7ABA-6A855DC1A7FF}"/>
-              </a:ext>
-            </a:extLst>
-          </p:cNvPr>
-          <p:cNvSpPr>
-            <a:spLocks noGrp="1"/>
-          </p:cNvSpPr>
-          <p:nvPr>
-            <p:ph type="subTitle" idx="1"/>
-          </p:nvPr>
-        </p:nvSpPr>
-        <p:spPr>
-          <a:xfrm>
-            <a:off x="1063690" y="3741997"/>
-            <a:ext cx="9604310" cy="1655762"/>
-          </a:xfrm>
-        </p:spPr>
-        <p:txBody>
-          <a:bodyPr>
-            <a:normAutofit/>
-          </a:bodyPr>
-          <a:lstStyle/>
-          <a:p>
-            <a:r>
-              <a:rPr lang="fr-FR" sz="2200" dirty="0">
-                <a:solidFill>
-                  <a:schemeClr val="accent1">
-                    <a:lumMod val="75000"/>
-                  </a:schemeClr>
-                </a:solidFill>
-              </a:rPr>
-              <a:t>Nous allons charger des vecteurs de tests sur différents composants du CPU, puis nous allons vous montrer notre programme d’assembleur</a:t>
-            </a:r>
-          </a:p>
-        </p:txBody>
-      </p:sp>
-      <p:pic>
-        <p:nvPicPr>
-          <p:cNvPr id="5" name="Image 4" descr="Une image contenant Police, Graphique, logo, graphisme&#10;&#10;Description générée automatiquement">
-            <a:extLst>
-              <a:ext uri="{FF2B5EF4-FFF2-40B4-BE49-F238E27FC236}">
-                <a16:creationId xmlns:a16="http://schemas.microsoft.com/office/drawing/2014/main" id="{A079CDB7-5F35-D788-3CD2-1530AA08E1FC}"/>
-              </a:ext>
-            </a:extLst>
-          </p:cNvPr>
-          <p:cNvPicPr>
-            <a:picLocks noChangeAspect="1"/>
-          </p:cNvPicPr>
-          <p:nvPr/>
-        </p:nvPicPr>
-        <p:blipFill>
-          <a:blip r:embed="rId2">
-            <a:extLst>
-              <a:ext uri="{28A0092B-C50C-407E-A947-70E740481C1C}">
-                <a14:useLocalDpi xmlns:a14="http://schemas.microsoft.com/office/drawing/2010/main" val="0"/>
-              </a:ext>
-            </a:extLst>
-          </a:blip>
-          <a:stretch>
-            <a:fillRect/>
-          </a:stretch>
-        </p:blipFill>
-        <p:spPr>
-          <a:xfrm>
-            <a:off x="0" y="5894934"/>
-            <a:ext cx="3103984" cy="963066"/>
-          </a:xfrm>
-          <a:prstGeom prst="rect">
-            <a:avLst/>
-          </a:prstGeom>
-        </p:spPr>
-      </p:pic>
-    </p:spTree>
-    <p:extLst>
-      <p:ext uri="{BB962C8B-B14F-4D97-AF65-F5344CB8AC3E}">
-        <p14:creationId xmlns:p14="http://schemas.microsoft.com/office/powerpoint/2010/main" val="438675361"/>
-      </p:ext>
-    </p:extLst>
-  </p:cSld>
-  <p:clrMapOvr>
-    <a:masterClrMapping/>
-  </p:clrMapOvr>
-</p:sld>
-</file>
-
-<file path=ppt/slides/slide6.xml><?xml version="1.0" encoding="utf-8"?>
-<p:sld xmlns:a="http://schemas.openxmlformats.org/drawingml/2006/main" xmlns:r="http://schemas.openxmlformats.org/officeDocument/2006/relationships" xmlns:p="http://schemas.openxmlformats.org/presentationml/2006/main">
-  <p:cSld>
-    <p:spTree>
-      <p:nvGrpSpPr>
-        <p:cNvPr id="1" name=""/>
-        <p:cNvGrpSpPr/>
-        <p:nvPr/>
-      </p:nvGrpSpPr>
-      <p:grpSpPr>
-        <a:xfrm>
-          <a:off x="0" y="0"/>
-          <a:ext cx="0" cy="0"/>
-          <a:chOff x="0" y="0"/>
-          <a:chExt cx="0" cy="0"/>
-        </a:xfrm>
-      </p:grpSpPr>
-      <p:sp>
-        <p:nvSpPr>
-          <p:cNvPr id="2" name="Titre 1">
-            <a:extLst>
-              <a:ext uri="{FF2B5EF4-FFF2-40B4-BE49-F238E27FC236}">
                 <a16:creationId xmlns:a16="http://schemas.microsoft.com/office/drawing/2014/main" id="{4903E1F2-154E-7509-2A00-8F53AB13E4B4}"/>
               </a:ext>
             </a:extLst>
@@ -5061,7 +5235,7 @@
         </p:nvSpPr>
         <p:spPr>
           <a:xfrm>
-            <a:off x="838200" y="57068"/>
+            <a:off x="838200" y="-44894"/>
             <a:ext cx="10515600" cy="1325563"/>
           </a:xfrm>
         </p:spPr>
@@ -6075,7 +6249,7 @@
                 <a:ea typeface="ADLaM Display" panose="020F0502020204030204" pitchFamily="2" charset="0"/>
                 <a:cs typeface="Aharoni" panose="02010803020104030203" pitchFamily="2" charset="-79"/>
               </a:rPr>
-              <a:t>Tests et autres</a:t>
+              <a:t>Tests et extras</a:t>
             </a:r>
           </a:p>
         </p:txBody>
@@ -6096,8 +6270,8 @@
         </p:nvCxnSpPr>
         <p:spPr>
           <a:xfrm>
-            <a:off x="5075853" y="1382631"/>
-            <a:ext cx="0" cy="1874128"/>
+            <a:off x="5057192" y="1073020"/>
+            <a:ext cx="0" cy="5299788"/>
           </a:xfrm>
           <a:prstGeom prst="line">
             <a:avLst/>
@@ -6128,10 +6302,10 @@
       </p:cxnSp>
       <p:cxnSp>
         <p:nvCxnSpPr>
-          <p:cNvPr id="36" name="Connecteur droit 35">
-            <a:extLst>
-              <a:ext uri="{FF2B5EF4-FFF2-40B4-BE49-F238E27FC236}">
-                <a16:creationId xmlns:a16="http://schemas.microsoft.com/office/drawing/2014/main" id="{B4510097-EC0D-F18D-9875-939E34982A89}"/>
+          <p:cNvPr id="17" name="Connecteur droit 16">
+            <a:extLst>
+              <a:ext uri="{FF2B5EF4-FFF2-40B4-BE49-F238E27FC236}">
+                <a16:creationId xmlns:a16="http://schemas.microsoft.com/office/drawing/2014/main" id="{1985D27A-BC10-41F1-0AC7-FC3042EA0139}"/>
               </a:ext>
             </a:extLst>
           </p:cNvPr>
@@ -6141,9 +6315,9 @@
           <p:nvPr/>
         </p:nvCxnSpPr>
         <p:spPr>
-          <a:xfrm>
-            <a:off x="5078963" y="3199447"/>
-            <a:ext cx="0" cy="1874128"/>
+          <a:xfrm flipH="1">
+            <a:off x="838200" y="1073020"/>
+            <a:ext cx="10414518" cy="0"/>
           </a:xfrm>
           <a:prstGeom prst="line">
             <a:avLst/>
@@ -6151,54 +6325,8 @@
           <a:ln>
             <a:solidFill>
               <a:schemeClr val="tx2">
-                <a:lumMod val="75000"/>
-                <a:lumOff val="25000"/>
-              </a:schemeClr>
-            </a:solidFill>
-          </a:ln>
-        </p:spPr>
-        <p:style>
-          <a:lnRef idx="2">
-            <a:schemeClr val="accent1"/>
-          </a:lnRef>
-          <a:fillRef idx="0">
-            <a:schemeClr val="accent1"/>
-          </a:fillRef>
-          <a:effectRef idx="1">
-            <a:schemeClr val="accent1"/>
-          </a:effectRef>
-          <a:fontRef idx="minor">
-            <a:schemeClr val="tx1"/>
-          </a:fontRef>
-        </p:style>
-      </p:cxnSp>
-      <p:cxnSp>
-        <p:nvCxnSpPr>
-          <p:cNvPr id="37" name="Connecteur droit 36">
-            <a:extLst>
-              <a:ext uri="{FF2B5EF4-FFF2-40B4-BE49-F238E27FC236}">
-                <a16:creationId xmlns:a16="http://schemas.microsoft.com/office/drawing/2014/main" id="{EA189100-6027-1E35-092D-CEDCEDE135A2}"/>
-              </a:ext>
-            </a:extLst>
-          </p:cNvPr>
-          <p:cNvCxnSpPr>
-            <a:cxnSpLocks/>
-          </p:cNvCxnSpPr>
-          <p:nvPr/>
-        </p:nvCxnSpPr>
-        <p:spPr>
-          <a:xfrm>
-            <a:off x="5075853" y="4958055"/>
-            <a:ext cx="0" cy="1147009"/>
-          </a:xfrm>
-          <a:prstGeom prst="line">
-            <a:avLst/>
-          </a:prstGeom>
-          <a:ln>
-            <a:solidFill>
-              <a:schemeClr val="tx2">
-                <a:lumMod val="50000"/>
-                <a:lumOff val="50000"/>
+                <a:lumMod val="90000"/>
+                <a:lumOff val="10000"/>
               </a:schemeClr>
             </a:solidFill>
           </a:ln>
@@ -6231,7 +6359,7 @@
 </p:sld>
 </file>
 
-<file path=ppt/slides/slide7.xml><?xml version="1.0" encoding="utf-8"?>
+<file path=ppt/slides/slide6.xml><?xml version="1.0" encoding="utf-8"?>
 <p:sld xmlns:a="http://schemas.openxmlformats.org/drawingml/2006/main" xmlns:r="http://schemas.openxmlformats.org/officeDocument/2006/relationships" xmlns:p="http://schemas.openxmlformats.org/presentationml/2006/main">
   <p:cSld>
     <p:spTree>
@@ -6253,390 +6381,7 @@
           <p:cNvPr id="2" name="Titre 1">
             <a:extLst>
               <a:ext uri="{FF2B5EF4-FFF2-40B4-BE49-F238E27FC236}">
-                <a16:creationId xmlns:a16="http://schemas.microsoft.com/office/drawing/2014/main" id="{8167723D-8AD5-1291-DEAD-B811F005E99C}"/>
-              </a:ext>
-            </a:extLst>
-          </p:cNvPr>
-          <p:cNvSpPr>
-            <a:spLocks noGrp="1"/>
-          </p:cNvSpPr>
-          <p:nvPr>
-            <p:ph type="title"/>
-          </p:nvPr>
-        </p:nvSpPr>
-        <p:spPr/>
-        <p:txBody>
-          <a:bodyPr/>
-          <a:lstStyle/>
-          <a:p>
-            <a:pPr algn="ctr"/>
-            <a:r>
-              <a:rPr lang="fr-FR" dirty="0">
-                <a:solidFill>
-                  <a:schemeClr val="accent1">
-                    <a:lumMod val="75000"/>
-                  </a:schemeClr>
-                </a:solidFill>
-              </a:rPr>
-              <a:t>Points forts de notre projet</a:t>
-            </a:r>
-          </a:p>
-        </p:txBody>
-      </p:sp>
-      <p:pic>
-        <p:nvPicPr>
-          <p:cNvPr id="4" name="Image 3" descr="Une image contenant Police, Graphique, logo, graphisme&#10;&#10;Description générée automatiquement">
-            <a:extLst>
-              <a:ext uri="{FF2B5EF4-FFF2-40B4-BE49-F238E27FC236}">
-                <a16:creationId xmlns:a16="http://schemas.microsoft.com/office/drawing/2014/main" id="{7605B171-AC4E-77DB-515E-CEE2F79EE4CD}"/>
-              </a:ext>
-            </a:extLst>
-          </p:cNvPr>
-          <p:cNvPicPr>
-            <a:picLocks noChangeAspect="1"/>
-          </p:cNvPicPr>
-          <p:nvPr/>
-        </p:nvPicPr>
-        <p:blipFill>
-          <a:blip r:embed="rId2">
-            <a:extLst>
-              <a:ext uri="{28A0092B-C50C-407E-A947-70E740481C1C}">
-                <a14:useLocalDpi xmlns:a14="http://schemas.microsoft.com/office/drawing/2010/main" val="0"/>
-              </a:ext>
-            </a:extLst>
-          </a:blip>
-          <a:stretch>
-            <a:fillRect/>
-          </a:stretch>
-        </p:blipFill>
-        <p:spPr>
-          <a:xfrm>
-            <a:off x="0" y="5894934"/>
-            <a:ext cx="3103984" cy="963066"/>
-          </a:xfrm>
-          <a:prstGeom prst="rect">
-            <a:avLst/>
-          </a:prstGeom>
-        </p:spPr>
-      </p:pic>
-      <p:sp>
-        <p:nvSpPr>
-          <p:cNvPr id="5" name="Flèche : droite 4">
-            <a:extLst>
-              <a:ext uri="{FF2B5EF4-FFF2-40B4-BE49-F238E27FC236}">
-                <a16:creationId xmlns:a16="http://schemas.microsoft.com/office/drawing/2014/main" id="{0BA0C430-8B73-4918-0DB7-48EFB13E897F}"/>
-              </a:ext>
-            </a:extLst>
-          </p:cNvPr>
-          <p:cNvSpPr/>
-          <p:nvPr/>
-        </p:nvSpPr>
-        <p:spPr>
-          <a:xfrm>
-            <a:off x="363894" y="2037573"/>
-            <a:ext cx="1436914" cy="447870"/>
-          </a:xfrm>
-          <a:prstGeom prst="rightArrow">
-            <a:avLst/>
-          </a:prstGeom>
-          <a:solidFill>
-            <a:schemeClr val="tx2">
-              <a:lumMod val="90000"/>
-              <a:lumOff val="10000"/>
-            </a:schemeClr>
-          </a:solidFill>
-          <a:ln>
-            <a:solidFill>
-              <a:schemeClr val="tx2">
-                <a:lumMod val="90000"/>
-                <a:lumOff val="10000"/>
-              </a:schemeClr>
-            </a:solidFill>
-          </a:ln>
-        </p:spPr>
-        <p:style>
-          <a:lnRef idx="2">
-            <a:schemeClr val="accent1">
-              <a:shade val="15000"/>
-            </a:schemeClr>
-          </a:lnRef>
-          <a:fillRef idx="1">
-            <a:schemeClr val="accent1"/>
-          </a:fillRef>
-          <a:effectRef idx="0">
-            <a:schemeClr val="accent1"/>
-          </a:effectRef>
-          <a:fontRef idx="minor">
-            <a:schemeClr val="lt1"/>
-          </a:fontRef>
-        </p:style>
-        <p:txBody>
-          <a:bodyPr rtlCol="0" anchor="ctr"/>
-          <a:lstStyle/>
-          <a:p>
-            <a:pPr algn="ctr"/>
-            <a:endParaRPr lang="fr-FR" dirty="0"/>
-          </a:p>
-        </p:txBody>
-      </p:sp>
-      <p:sp>
-        <p:nvSpPr>
-          <p:cNvPr id="6" name="ZoneTexte 5">
-            <a:extLst>
-              <a:ext uri="{FF2B5EF4-FFF2-40B4-BE49-F238E27FC236}">
-                <a16:creationId xmlns:a16="http://schemas.microsoft.com/office/drawing/2014/main" id="{A6E07BF0-F56D-293D-5027-CF95A7AD4C05}"/>
-              </a:ext>
-            </a:extLst>
-          </p:cNvPr>
-          <p:cNvSpPr txBox="1"/>
-          <p:nvPr/>
-        </p:nvSpPr>
-        <p:spPr>
-          <a:xfrm>
-            <a:off x="1940768" y="1882251"/>
-            <a:ext cx="9713168" cy="830997"/>
-          </a:xfrm>
-          <a:prstGeom prst="rect">
-            <a:avLst/>
-          </a:prstGeom>
-          <a:noFill/>
-        </p:spPr>
-        <p:txBody>
-          <a:bodyPr wrap="square" rtlCol="0">
-            <a:spAutoFit/>
-          </a:bodyPr>
-          <a:lstStyle/>
-          <a:p>
-            <a:pPr algn="ctr"/>
-            <a:r>
-              <a:rPr lang="fr-FR" sz="2400" dirty="0"/>
-              <a:t>Processeur entièrement opérationnel (couvert par plus de 38 000 lignes de test)</a:t>
-            </a:r>
-          </a:p>
-        </p:txBody>
-      </p:sp>
-      <p:sp>
-        <p:nvSpPr>
-          <p:cNvPr id="7" name="Flèche : droite 6">
-            <a:extLst>
-              <a:ext uri="{FF2B5EF4-FFF2-40B4-BE49-F238E27FC236}">
-                <a16:creationId xmlns:a16="http://schemas.microsoft.com/office/drawing/2014/main" id="{E49B8A1C-1675-E092-0643-87CEC17704E0}"/>
-              </a:ext>
-            </a:extLst>
-          </p:cNvPr>
-          <p:cNvSpPr/>
-          <p:nvPr/>
-        </p:nvSpPr>
-        <p:spPr>
-          <a:xfrm>
-            <a:off x="363894" y="3304117"/>
-            <a:ext cx="1436914" cy="447870"/>
-          </a:xfrm>
-          <a:prstGeom prst="rightArrow">
-            <a:avLst/>
-          </a:prstGeom>
-          <a:solidFill>
-            <a:schemeClr val="tx2">
-              <a:lumMod val="75000"/>
-              <a:lumOff val="25000"/>
-            </a:schemeClr>
-          </a:solidFill>
-          <a:ln>
-            <a:solidFill>
-              <a:schemeClr val="tx2">
-                <a:lumMod val="75000"/>
-                <a:lumOff val="25000"/>
-              </a:schemeClr>
-            </a:solidFill>
-          </a:ln>
-        </p:spPr>
-        <p:style>
-          <a:lnRef idx="2">
-            <a:schemeClr val="accent1">
-              <a:shade val="15000"/>
-            </a:schemeClr>
-          </a:lnRef>
-          <a:fillRef idx="1">
-            <a:schemeClr val="accent1"/>
-          </a:fillRef>
-          <a:effectRef idx="0">
-            <a:schemeClr val="accent1"/>
-          </a:effectRef>
-          <a:fontRef idx="minor">
-            <a:schemeClr val="lt1"/>
-          </a:fontRef>
-        </p:style>
-        <p:txBody>
-          <a:bodyPr rtlCol="0" anchor="ctr"/>
-          <a:lstStyle/>
-          <a:p>
-            <a:pPr algn="ctr"/>
-            <a:endParaRPr lang="fr-FR"/>
-          </a:p>
-        </p:txBody>
-      </p:sp>
-      <p:sp>
-        <p:nvSpPr>
-          <p:cNvPr id="8" name="ZoneTexte 7">
-            <a:extLst>
-              <a:ext uri="{FF2B5EF4-FFF2-40B4-BE49-F238E27FC236}">
-                <a16:creationId xmlns:a16="http://schemas.microsoft.com/office/drawing/2014/main" id="{1CB7E12B-0150-0BD9-0E25-FC1345817400}"/>
-              </a:ext>
-            </a:extLst>
-          </p:cNvPr>
-          <p:cNvSpPr txBox="1"/>
-          <p:nvPr/>
-        </p:nvSpPr>
-        <p:spPr>
-          <a:xfrm>
-            <a:off x="1940768" y="3153377"/>
-            <a:ext cx="9713168" cy="830997"/>
-          </a:xfrm>
-          <a:prstGeom prst="rect">
-            <a:avLst/>
-          </a:prstGeom>
-          <a:noFill/>
-        </p:spPr>
-        <p:txBody>
-          <a:bodyPr wrap="square" rtlCol="0">
-            <a:spAutoFit/>
-          </a:bodyPr>
-          <a:lstStyle/>
-          <a:p>
-            <a:pPr algn="ctr"/>
-            <a:r>
-              <a:rPr lang="fr-FR" sz="2400" dirty="0"/>
-              <a:t>Programme d’assembleur opérationnel, avec possibilité d’exécution de code C sur le processeur</a:t>
-            </a:r>
-          </a:p>
-        </p:txBody>
-      </p:sp>
-      <p:sp>
-        <p:nvSpPr>
-          <p:cNvPr id="9" name="Flèche : droite 8">
-            <a:extLst>
-              <a:ext uri="{FF2B5EF4-FFF2-40B4-BE49-F238E27FC236}">
-                <a16:creationId xmlns:a16="http://schemas.microsoft.com/office/drawing/2014/main" id="{F006001A-27FB-96AE-62A2-FF9646CFB022}"/>
-              </a:ext>
-            </a:extLst>
-          </p:cNvPr>
-          <p:cNvSpPr/>
-          <p:nvPr/>
-        </p:nvSpPr>
-        <p:spPr>
-          <a:xfrm>
-            <a:off x="363894" y="4450959"/>
-            <a:ext cx="1436914" cy="656339"/>
-          </a:xfrm>
-          <a:prstGeom prst="rightArrow">
-            <a:avLst/>
-          </a:prstGeom>
-          <a:solidFill>
-            <a:srgbClr val="00B050"/>
-          </a:solidFill>
-          <a:ln>
-            <a:solidFill>
-              <a:srgbClr val="00B050"/>
-            </a:solidFill>
-          </a:ln>
-        </p:spPr>
-        <p:style>
-          <a:lnRef idx="2">
-            <a:schemeClr val="accent1">
-              <a:shade val="15000"/>
-            </a:schemeClr>
-          </a:lnRef>
-          <a:fillRef idx="1">
-            <a:schemeClr val="accent1"/>
-          </a:fillRef>
-          <a:effectRef idx="0">
-            <a:schemeClr val="accent1"/>
-          </a:effectRef>
-          <a:fontRef idx="minor">
-            <a:schemeClr val="lt1"/>
-          </a:fontRef>
-        </p:style>
-        <p:txBody>
-          <a:bodyPr rtlCol="0" anchor="ctr"/>
-          <a:lstStyle/>
-          <a:p>
-            <a:pPr algn="ctr"/>
-            <a:endParaRPr lang="fr-FR" dirty="0"/>
-          </a:p>
-        </p:txBody>
-      </p:sp>
-      <p:sp>
-        <p:nvSpPr>
-          <p:cNvPr id="11" name="ZoneTexte 10">
-            <a:extLst>
-              <a:ext uri="{FF2B5EF4-FFF2-40B4-BE49-F238E27FC236}">
-                <a16:creationId xmlns:a16="http://schemas.microsoft.com/office/drawing/2014/main" id="{21AE1BDA-C5D4-8EA0-2E25-66C7A3EDA66B}"/>
-              </a:ext>
-            </a:extLst>
-          </p:cNvPr>
-          <p:cNvSpPr txBox="1"/>
-          <p:nvPr/>
-        </p:nvSpPr>
-        <p:spPr>
-          <a:xfrm>
-            <a:off x="1698171" y="4432245"/>
-            <a:ext cx="9713168" cy="830997"/>
-          </a:xfrm>
-          <a:prstGeom prst="rect">
-            <a:avLst/>
-          </a:prstGeom>
-          <a:noFill/>
-        </p:spPr>
-        <p:txBody>
-          <a:bodyPr wrap="square" rtlCol="0">
-            <a:spAutoFit/>
-          </a:bodyPr>
-          <a:lstStyle/>
-          <a:p>
-            <a:pPr algn="ctr"/>
-            <a:r>
-              <a:rPr lang="fr-FR" sz="2400" dirty="0"/>
-              <a:t>Le + : Ajout d’entrées et sorties diverses (buzzer, glissière) et programmation de celles-ci ainsi que du joystick</a:t>
-            </a:r>
-          </a:p>
-        </p:txBody>
-      </p:sp>
-    </p:spTree>
-    <p:extLst>
-      <p:ext uri="{BB962C8B-B14F-4D97-AF65-F5344CB8AC3E}">
-        <p14:creationId xmlns:p14="http://schemas.microsoft.com/office/powerpoint/2010/main" val="954244072"/>
-      </p:ext>
-    </p:extLst>
-  </p:cSld>
-  <p:clrMapOvr>
-    <a:masterClrMapping/>
-  </p:clrMapOvr>
-</p:sld>
-</file>
-
-<file path=ppt/slides/slide8.xml><?xml version="1.0" encoding="utf-8"?>
-<p:sld xmlns:a="http://schemas.openxmlformats.org/drawingml/2006/main" xmlns:r="http://schemas.openxmlformats.org/officeDocument/2006/relationships" xmlns:p="http://schemas.openxmlformats.org/presentationml/2006/main">
-  <p:cSld>
-    <p:spTree>
-      <p:nvGrpSpPr>
-        <p:cNvPr id="1" name=""/>
-        <p:cNvGrpSpPr/>
-        <p:nvPr/>
-      </p:nvGrpSpPr>
-      <p:grpSpPr>
-        <a:xfrm>
-          <a:off x="0" y="0"/>
-          <a:ext cx="0" cy="0"/>
-          <a:chOff x="0" y="0"/>
-          <a:chExt cx="0" cy="0"/>
-        </a:xfrm>
-      </p:grpSpPr>
-      <p:sp>
-        <p:nvSpPr>
-          <p:cNvPr id="2" name="Titre 1">
-            <a:extLst>
-              <a:ext uri="{FF2B5EF4-FFF2-40B4-BE49-F238E27FC236}">
-                <a16:creationId xmlns:a16="http://schemas.microsoft.com/office/drawing/2014/main" id="{293F9BC3-20AF-35A6-731C-2F629EA4946C}"/>
+                <a16:creationId xmlns:a16="http://schemas.microsoft.com/office/drawing/2014/main" id="{B0DE568E-979B-FFE7-6ADC-BCEE1F8EA659}"/>
               </a:ext>
             </a:extLst>
           </p:cNvPr>
@@ -6649,8 +6394,8 @@
         </p:nvSpPr>
         <p:spPr>
           <a:xfrm>
-            <a:off x="391885" y="1569001"/>
-            <a:ext cx="11327363" cy="2387600"/>
+            <a:off x="307910" y="1122363"/>
+            <a:ext cx="11541968" cy="2387600"/>
           </a:xfrm>
         </p:spPr>
         <p:txBody>
@@ -6663,11 +6408,11 @@
               <a:rPr lang="fr-FR" sz="4800" dirty="0">
                 <a:solidFill>
                   <a:schemeClr val="accent1">
-                    <a:lumMod val="75000"/>
+                    <a:lumMod val="50000"/>
                   </a:schemeClr>
                 </a:solidFill>
               </a:rPr>
-              <a:t>Démonstration : passage au CPU d’un code C compilé</a:t>
+              <a:t>Démonstration 1) – tests CPU + Assembleur</a:t>
             </a:r>
           </a:p>
         </p:txBody>
@@ -6677,7 +6422,7 @@
           <p:cNvPr id="3" name="Sous-titre 2">
             <a:extLst>
               <a:ext uri="{FF2B5EF4-FFF2-40B4-BE49-F238E27FC236}">
-                <a16:creationId xmlns:a16="http://schemas.microsoft.com/office/drawing/2014/main" id="{15BDD884-5957-2089-2044-335EA8891906}"/>
+                <a16:creationId xmlns:a16="http://schemas.microsoft.com/office/drawing/2014/main" id="{06B99117-6CC2-989D-7ABA-6A855DC1A7FF}"/>
               </a:ext>
             </a:extLst>
           </p:cNvPr>
@@ -6690,8 +6435,8 @@
         </p:nvSpPr>
         <p:spPr>
           <a:xfrm>
-            <a:off x="391885" y="4107638"/>
-            <a:ext cx="11513976" cy="1655762"/>
+            <a:off x="1063690" y="3741997"/>
+            <a:ext cx="9604310" cy="1655762"/>
           </a:xfrm>
         </p:spPr>
         <p:txBody>
@@ -6701,14 +6446,14 @@
           <a:lstStyle/>
           <a:p>
             <a:r>
-              <a:rPr lang="fr-FR" sz="2000" dirty="0">
+              <a:rPr lang="fr-FR" sz="2200" dirty="0">
                 <a:solidFill>
                   <a:schemeClr val="accent1">
                     <a:lumMod val="75000"/>
                   </a:schemeClr>
                 </a:solidFill>
               </a:rPr>
-              <a:t>Nous allons compiler un code C à l’aide de notre programme, puis nous allons le charger dans le CPU</a:t>
+              <a:t>Nous allons charger des vecteurs de tests sur différents composants du CPU, puis nous allons vous montrer notre programme d’assembleur</a:t>
             </a:r>
           </a:p>
         </p:txBody>
@@ -6718,7 +6463,7 @@
           <p:cNvPr id="5" name="Image 4" descr="Une image contenant Police, Graphique, logo, graphisme&#10;&#10;Description générée automatiquement">
             <a:extLst>
               <a:ext uri="{FF2B5EF4-FFF2-40B4-BE49-F238E27FC236}">
-                <a16:creationId xmlns:a16="http://schemas.microsoft.com/office/drawing/2014/main" id="{729E0E53-C9B9-7EE1-2182-55B5E59A94FB}"/>
+                <a16:creationId xmlns:a16="http://schemas.microsoft.com/office/drawing/2014/main" id="{A079CDB7-5F35-D788-3CD2-1530AA08E1FC}"/>
               </a:ext>
             </a:extLst>
           </p:cNvPr>
@@ -6752,7 +6497,7 @@
     </p:spTree>
     <p:extLst>
       <p:ext uri="{BB962C8B-B14F-4D97-AF65-F5344CB8AC3E}">
-        <p14:creationId xmlns:p14="http://schemas.microsoft.com/office/powerpoint/2010/main" val="2917886073"/>
+        <p14:creationId xmlns:p14="http://schemas.microsoft.com/office/powerpoint/2010/main" val="438675361"/>
       </p:ext>
     </p:extLst>
   </p:cSld>
@@ -6762,7 +6507,7 @@
 </p:sld>
 </file>
 
-<file path=ppt/slides/slide9.xml><?xml version="1.0" encoding="utf-8"?>
+<file path=ppt/slides/slide7.xml><?xml version="1.0" encoding="utf-8"?>
 <p:sld xmlns:a="http://schemas.openxmlformats.org/drawingml/2006/main" xmlns:r="http://schemas.openxmlformats.org/officeDocument/2006/relationships" xmlns:p="http://schemas.openxmlformats.org/presentationml/2006/main">
   <p:cSld>
     <p:spTree>
@@ -10597,10 +10342,784 @@
           </a:prstGeom>
         </p:spPr>
       </p:pic>
+      <p:cxnSp>
+        <p:nvCxnSpPr>
+          <p:cNvPr id="3" name="Connecteur droit 2">
+            <a:extLst>
+              <a:ext uri="{FF2B5EF4-FFF2-40B4-BE49-F238E27FC236}">
+                <a16:creationId xmlns:a16="http://schemas.microsoft.com/office/drawing/2014/main" id="{9C273885-536A-48D0-F29F-ADF4FE717F6B}"/>
+              </a:ext>
+            </a:extLst>
+          </p:cNvPr>
+          <p:cNvCxnSpPr>
+            <a:cxnSpLocks/>
+          </p:cNvCxnSpPr>
+          <p:nvPr/>
+        </p:nvCxnSpPr>
+        <p:spPr>
+          <a:xfrm flipH="1">
+            <a:off x="838200" y="1373300"/>
+            <a:ext cx="10058400" cy="0"/>
+          </a:xfrm>
+          <a:prstGeom prst="line">
+            <a:avLst/>
+          </a:prstGeom>
+          <a:ln>
+            <a:solidFill>
+              <a:schemeClr val="tx2">
+                <a:lumMod val="90000"/>
+                <a:lumOff val="10000"/>
+              </a:schemeClr>
+            </a:solidFill>
+          </a:ln>
+        </p:spPr>
+        <p:style>
+          <a:lnRef idx="2">
+            <a:schemeClr val="accent1"/>
+          </a:lnRef>
+          <a:fillRef idx="0">
+            <a:schemeClr val="accent1"/>
+          </a:fillRef>
+          <a:effectRef idx="1">
+            <a:schemeClr val="accent1"/>
+          </a:effectRef>
+          <a:fontRef idx="minor">
+            <a:schemeClr val="tx1"/>
+          </a:fontRef>
+        </p:style>
+      </p:cxnSp>
     </p:spTree>
     <p:extLst>
       <p:ext uri="{BB962C8B-B14F-4D97-AF65-F5344CB8AC3E}">
         <p14:creationId xmlns:p14="http://schemas.microsoft.com/office/powerpoint/2010/main" val="3556474308"/>
+      </p:ext>
+    </p:extLst>
+  </p:cSld>
+  <p:clrMapOvr>
+    <a:masterClrMapping/>
+  </p:clrMapOvr>
+</p:sld>
+</file>
+
+<file path=ppt/slides/slide8.xml><?xml version="1.0" encoding="utf-8"?>
+<p:sld xmlns:a="http://schemas.openxmlformats.org/drawingml/2006/main" xmlns:r="http://schemas.openxmlformats.org/officeDocument/2006/relationships" xmlns:p="http://schemas.openxmlformats.org/presentationml/2006/main">
+  <p:cSld>
+    <p:spTree>
+      <p:nvGrpSpPr>
+        <p:cNvPr id="1" name=""/>
+        <p:cNvGrpSpPr/>
+        <p:nvPr/>
+      </p:nvGrpSpPr>
+      <p:grpSpPr>
+        <a:xfrm>
+          <a:off x="0" y="0"/>
+          <a:ext cx="0" cy="0"/>
+          <a:chOff x="0" y="0"/>
+          <a:chExt cx="0" cy="0"/>
+        </a:xfrm>
+      </p:grpSpPr>
+      <p:sp>
+        <p:nvSpPr>
+          <p:cNvPr id="2" name="Titre 1">
+            <a:extLst>
+              <a:ext uri="{FF2B5EF4-FFF2-40B4-BE49-F238E27FC236}">
+                <a16:creationId xmlns:a16="http://schemas.microsoft.com/office/drawing/2014/main" id="{8167723D-8AD5-1291-DEAD-B811F005E99C}"/>
+              </a:ext>
+            </a:extLst>
+          </p:cNvPr>
+          <p:cNvSpPr>
+            <a:spLocks noGrp="1"/>
+          </p:cNvSpPr>
+          <p:nvPr>
+            <p:ph type="title"/>
+          </p:nvPr>
+        </p:nvSpPr>
+        <p:spPr/>
+        <p:txBody>
+          <a:bodyPr/>
+          <a:lstStyle/>
+          <a:p>
+            <a:pPr algn="ctr"/>
+            <a:r>
+              <a:rPr lang="fr-FR" dirty="0">
+                <a:solidFill>
+                  <a:schemeClr val="accent1">
+                    <a:lumMod val="75000"/>
+                  </a:schemeClr>
+                </a:solidFill>
+              </a:rPr>
+              <a:t>Points forts de notre projet</a:t>
+            </a:r>
+          </a:p>
+        </p:txBody>
+      </p:sp>
+      <p:pic>
+        <p:nvPicPr>
+          <p:cNvPr id="4" name="Image 3" descr="Une image contenant Police, Graphique, logo, graphisme&#10;&#10;Description générée automatiquement">
+            <a:extLst>
+              <a:ext uri="{FF2B5EF4-FFF2-40B4-BE49-F238E27FC236}">
+                <a16:creationId xmlns:a16="http://schemas.microsoft.com/office/drawing/2014/main" id="{7605B171-AC4E-77DB-515E-CEE2F79EE4CD}"/>
+              </a:ext>
+            </a:extLst>
+          </p:cNvPr>
+          <p:cNvPicPr>
+            <a:picLocks noChangeAspect="1"/>
+          </p:cNvPicPr>
+          <p:nvPr/>
+        </p:nvPicPr>
+        <p:blipFill>
+          <a:blip r:embed="rId2">
+            <a:extLst>
+              <a:ext uri="{28A0092B-C50C-407E-A947-70E740481C1C}">
+                <a14:useLocalDpi xmlns:a14="http://schemas.microsoft.com/office/drawing/2010/main" val="0"/>
+              </a:ext>
+            </a:extLst>
+          </a:blip>
+          <a:stretch>
+            <a:fillRect/>
+          </a:stretch>
+        </p:blipFill>
+        <p:spPr>
+          <a:xfrm>
+            <a:off x="0" y="5894934"/>
+            <a:ext cx="3103984" cy="963066"/>
+          </a:xfrm>
+          <a:prstGeom prst="rect">
+            <a:avLst/>
+          </a:prstGeom>
+        </p:spPr>
+      </p:pic>
+      <p:sp>
+        <p:nvSpPr>
+          <p:cNvPr id="5" name="Flèche : droite 4">
+            <a:extLst>
+              <a:ext uri="{FF2B5EF4-FFF2-40B4-BE49-F238E27FC236}">
+                <a16:creationId xmlns:a16="http://schemas.microsoft.com/office/drawing/2014/main" id="{0BA0C430-8B73-4918-0DB7-48EFB13E897F}"/>
+              </a:ext>
+            </a:extLst>
+          </p:cNvPr>
+          <p:cNvSpPr/>
+          <p:nvPr/>
+        </p:nvSpPr>
+        <p:spPr>
+          <a:xfrm>
+            <a:off x="475861" y="2311921"/>
+            <a:ext cx="1436914" cy="447870"/>
+          </a:xfrm>
+          <a:prstGeom prst="rightArrow">
+            <a:avLst/>
+          </a:prstGeom>
+          <a:solidFill>
+            <a:schemeClr val="tx2">
+              <a:lumMod val="90000"/>
+              <a:lumOff val="10000"/>
+            </a:schemeClr>
+          </a:solidFill>
+          <a:ln>
+            <a:solidFill>
+              <a:schemeClr val="tx2">
+                <a:lumMod val="90000"/>
+                <a:lumOff val="10000"/>
+              </a:schemeClr>
+            </a:solidFill>
+          </a:ln>
+        </p:spPr>
+        <p:style>
+          <a:lnRef idx="2">
+            <a:schemeClr val="accent1">
+              <a:shade val="15000"/>
+            </a:schemeClr>
+          </a:lnRef>
+          <a:fillRef idx="1">
+            <a:schemeClr val="accent1"/>
+          </a:fillRef>
+          <a:effectRef idx="0">
+            <a:schemeClr val="accent1"/>
+          </a:effectRef>
+          <a:fontRef idx="minor">
+            <a:schemeClr val="lt1"/>
+          </a:fontRef>
+        </p:style>
+        <p:txBody>
+          <a:bodyPr rtlCol="0" anchor="ctr"/>
+          <a:lstStyle/>
+          <a:p>
+            <a:pPr algn="ctr"/>
+            <a:endParaRPr lang="fr-FR" dirty="0"/>
+          </a:p>
+        </p:txBody>
+      </p:sp>
+      <p:sp>
+        <p:nvSpPr>
+          <p:cNvPr id="6" name="ZoneTexte 5">
+            <a:extLst>
+              <a:ext uri="{FF2B5EF4-FFF2-40B4-BE49-F238E27FC236}">
+                <a16:creationId xmlns:a16="http://schemas.microsoft.com/office/drawing/2014/main" id="{A6E07BF0-F56D-293D-5027-CF95A7AD4C05}"/>
+              </a:ext>
+            </a:extLst>
+          </p:cNvPr>
+          <p:cNvSpPr txBox="1"/>
+          <p:nvPr/>
+        </p:nvSpPr>
+        <p:spPr>
+          <a:xfrm>
+            <a:off x="2052735" y="2156599"/>
+            <a:ext cx="9713168" cy="830997"/>
+          </a:xfrm>
+          <a:prstGeom prst="rect">
+            <a:avLst/>
+          </a:prstGeom>
+          <a:noFill/>
+        </p:spPr>
+        <p:txBody>
+          <a:bodyPr wrap="square" rtlCol="0">
+            <a:spAutoFit/>
+          </a:bodyPr>
+          <a:lstStyle/>
+          <a:p>
+            <a:pPr algn="ctr"/>
+            <a:r>
+              <a:rPr lang="fr-FR" sz="2400" dirty="0"/>
+              <a:t>Processeur entièrement opérationnel (couvert par plus de 44 000 lignes de test)</a:t>
+            </a:r>
+          </a:p>
+        </p:txBody>
+      </p:sp>
+      <p:sp>
+        <p:nvSpPr>
+          <p:cNvPr id="7" name="Flèche : droite 6">
+            <a:extLst>
+              <a:ext uri="{FF2B5EF4-FFF2-40B4-BE49-F238E27FC236}">
+                <a16:creationId xmlns:a16="http://schemas.microsoft.com/office/drawing/2014/main" id="{E49B8A1C-1675-E092-0643-87CEC17704E0}"/>
+              </a:ext>
+            </a:extLst>
+          </p:cNvPr>
+          <p:cNvSpPr/>
+          <p:nvPr/>
+        </p:nvSpPr>
+        <p:spPr>
+          <a:xfrm>
+            <a:off x="475861" y="3578465"/>
+            <a:ext cx="1436914" cy="447870"/>
+          </a:xfrm>
+          <a:prstGeom prst="rightArrow">
+            <a:avLst/>
+          </a:prstGeom>
+          <a:solidFill>
+            <a:schemeClr val="tx2">
+              <a:lumMod val="75000"/>
+              <a:lumOff val="25000"/>
+            </a:schemeClr>
+          </a:solidFill>
+          <a:ln>
+            <a:solidFill>
+              <a:schemeClr val="tx2">
+                <a:lumMod val="75000"/>
+                <a:lumOff val="25000"/>
+              </a:schemeClr>
+            </a:solidFill>
+          </a:ln>
+        </p:spPr>
+        <p:style>
+          <a:lnRef idx="2">
+            <a:schemeClr val="accent1">
+              <a:shade val="15000"/>
+            </a:schemeClr>
+          </a:lnRef>
+          <a:fillRef idx="1">
+            <a:schemeClr val="accent1"/>
+          </a:fillRef>
+          <a:effectRef idx="0">
+            <a:schemeClr val="accent1"/>
+          </a:effectRef>
+          <a:fontRef idx="minor">
+            <a:schemeClr val="lt1"/>
+          </a:fontRef>
+        </p:style>
+        <p:txBody>
+          <a:bodyPr rtlCol="0" anchor="ctr"/>
+          <a:lstStyle/>
+          <a:p>
+            <a:pPr algn="ctr"/>
+            <a:endParaRPr lang="fr-FR"/>
+          </a:p>
+        </p:txBody>
+      </p:sp>
+      <p:sp>
+        <p:nvSpPr>
+          <p:cNvPr id="8" name="ZoneTexte 7">
+            <a:extLst>
+              <a:ext uri="{FF2B5EF4-FFF2-40B4-BE49-F238E27FC236}">
+                <a16:creationId xmlns:a16="http://schemas.microsoft.com/office/drawing/2014/main" id="{1CB7E12B-0150-0BD9-0E25-FC1345817400}"/>
+              </a:ext>
+            </a:extLst>
+          </p:cNvPr>
+          <p:cNvSpPr txBox="1"/>
+          <p:nvPr/>
+        </p:nvSpPr>
+        <p:spPr>
+          <a:xfrm>
+            <a:off x="2052735" y="3427725"/>
+            <a:ext cx="9713168" cy="830997"/>
+          </a:xfrm>
+          <a:prstGeom prst="rect">
+            <a:avLst/>
+          </a:prstGeom>
+          <a:noFill/>
+        </p:spPr>
+        <p:txBody>
+          <a:bodyPr wrap="square" rtlCol="0">
+            <a:spAutoFit/>
+          </a:bodyPr>
+          <a:lstStyle/>
+          <a:p>
+            <a:pPr algn="ctr"/>
+            <a:r>
+              <a:rPr lang="fr-FR" sz="2400" dirty="0"/>
+              <a:t>Programme d’assembleur opérationnel, avec possibilité d’exécution de code C sur le processeur</a:t>
+            </a:r>
+          </a:p>
+        </p:txBody>
+      </p:sp>
+      <p:sp>
+        <p:nvSpPr>
+          <p:cNvPr id="9" name="Flèche : droite 8">
+            <a:extLst>
+              <a:ext uri="{FF2B5EF4-FFF2-40B4-BE49-F238E27FC236}">
+                <a16:creationId xmlns:a16="http://schemas.microsoft.com/office/drawing/2014/main" id="{F006001A-27FB-96AE-62A2-FF9646CFB022}"/>
+              </a:ext>
+            </a:extLst>
+          </p:cNvPr>
+          <p:cNvSpPr/>
+          <p:nvPr/>
+        </p:nvSpPr>
+        <p:spPr>
+          <a:xfrm>
+            <a:off x="475861" y="4825831"/>
+            <a:ext cx="1436914" cy="447870"/>
+          </a:xfrm>
+          <a:prstGeom prst="rightArrow">
+            <a:avLst>
+              <a:gd name="adj1" fmla="val 50000"/>
+              <a:gd name="adj2" fmla="val 51422"/>
+            </a:avLst>
+          </a:prstGeom>
+          <a:solidFill>
+            <a:srgbClr val="00B050"/>
+          </a:solidFill>
+          <a:ln>
+            <a:solidFill>
+              <a:srgbClr val="00B050"/>
+            </a:solidFill>
+          </a:ln>
+        </p:spPr>
+        <p:style>
+          <a:lnRef idx="2">
+            <a:schemeClr val="accent1">
+              <a:shade val="15000"/>
+            </a:schemeClr>
+          </a:lnRef>
+          <a:fillRef idx="1">
+            <a:schemeClr val="accent1"/>
+          </a:fillRef>
+          <a:effectRef idx="0">
+            <a:schemeClr val="accent1"/>
+          </a:effectRef>
+          <a:fontRef idx="minor">
+            <a:schemeClr val="lt1"/>
+          </a:fontRef>
+        </p:style>
+        <p:txBody>
+          <a:bodyPr rtlCol="0" anchor="ctr"/>
+          <a:lstStyle/>
+          <a:p>
+            <a:pPr algn="ctr"/>
+            <a:endParaRPr lang="fr-FR" dirty="0"/>
+          </a:p>
+        </p:txBody>
+      </p:sp>
+      <p:sp>
+        <p:nvSpPr>
+          <p:cNvPr id="11" name="ZoneTexte 10">
+            <a:extLst>
+              <a:ext uri="{FF2B5EF4-FFF2-40B4-BE49-F238E27FC236}">
+                <a16:creationId xmlns:a16="http://schemas.microsoft.com/office/drawing/2014/main" id="{21AE1BDA-C5D4-8EA0-2E25-66C7A3EDA66B}"/>
+              </a:ext>
+            </a:extLst>
+          </p:cNvPr>
+          <p:cNvSpPr txBox="1"/>
+          <p:nvPr/>
+        </p:nvSpPr>
+        <p:spPr>
+          <a:xfrm>
+            <a:off x="1912775" y="4698851"/>
+            <a:ext cx="9713168" cy="830997"/>
+          </a:xfrm>
+          <a:prstGeom prst="rect">
+            <a:avLst/>
+          </a:prstGeom>
+          <a:noFill/>
+        </p:spPr>
+        <p:txBody>
+          <a:bodyPr wrap="square" rtlCol="0">
+            <a:spAutoFit/>
+          </a:bodyPr>
+          <a:lstStyle/>
+          <a:p>
+            <a:pPr algn="ctr"/>
+            <a:r>
+              <a:rPr lang="fr-FR" sz="2400" dirty="0"/>
+              <a:t>Les + : Ajout d’entrées et sorties diverses (buzzer, slider) et programmation de celles-ci ainsi que du joystick</a:t>
+            </a:r>
+          </a:p>
+        </p:txBody>
+      </p:sp>
+      <p:cxnSp>
+        <p:nvCxnSpPr>
+          <p:cNvPr id="3" name="Connecteur droit 2">
+            <a:extLst>
+              <a:ext uri="{FF2B5EF4-FFF2-40B4-BE49-F238E27FC236}">
+                <a16:creationId xmlns:a16="http://schemas.microsoft.com/office/drawing/2014/main" id="{675DC89D-11E1-E5CD-9C2D-477C94255FE5}"/>
+              </a:ext>
+            </a:extLst>
+          </p:cNvPr>
+          <p:cNvCxnSpPr>
+            <a:cxnSpLocks/>
+          </p:cNvCxnSpPr>
+          <p:nvPr/>
+        </p:nvCxnSpPr>
+        <p:spPr>
+          <a:xfrm flipH="1">
+            <a:off x="838200" y="1569243"/>
+            <a:ext cx="10058400" cy="0"/>
+          </a:xfrm>
+          <a:prstGeom prst="line">
+            <a:avLst/>
+          </a:prstGeom>
+          <a:ln>
+            <a:solidFill>
+              <a:schemeClr val="tx2">
+                <a:lumMod val="90000"/>
+                <a:lumOff val="10000"/>
+              </a:schemeClr>
+            </a:solidFill>
+          </a:ln>
+        </p:spPr>
+        <p:style>
+          <a:lnRef idx="2">
+            <a:schemeClr val="accent1"/>
+          </a:lnRef>
+          <a:fillRef idx="0">
+            <a:schemeClr val="accent1"/>
+          </a:fillRef>
+          <a:effectRef idx="1">
+            <a:schemeClr val="accent1"/>
+          </a:effectRef>
+          <a:fontRef idx="minor">
+            <a:schemeClr val="tx1"/>
+          </a:fontRef>
+        </p:style>
+      </p:cxnSp>
+    </p:spTree>
+    <p:extLst>
+      <p:ext uri="{BB962C8B-B14F-4D97-AF65-F5344CB8AC3E}">
+        <p14:creationId xmlns:p14="http://schemas.microsoft.com/office/powerpoint/2010/main" val="954244072"/>
+      </p:ext>
+    </p:extLst>
+  </p:cSld>
+  <p:clrMapOvr>
+    <a:masterClrMapping/>
+  </p:clrMapOvr>
+</p:sld>
+</file>
+
+<file path=ppt/slides/slide9.xml><?xml version="1.0" encoding="utf-8"?>
+<p:sld xmlns:a="http://schemas.openxmlformats.org/drawingml/2006/main" xmlns:r="http://schemas.openxmlformats.org/officeDocument/2006/relationships" xmlns:p="http://schemas.openxmlformats.org/presentationml/2006/main">
+  <p:cSld>
+    <p:spTree>
+      <p:nvGrpSpPr>
+        <p:cNvPr id="1" name=""/>
+        <p:cNvGrpSpPr/>
+        <p:nvPr/>
+      </p:nvGrpSpPr>
+      <p:grpSpPr>
+        <a:xfrm>
+          <a:off x="0" y="0"/>
+          <a:ext cx="0" cy="0"/>
+          <a:chOff x="0" y="0"/>
+          <a:chExt cx="0" cy="0"/>
+        </a:xfrm>
+      </p:grpSpPr>
+      <p:sp>
+        <p:nvSpPr>
+          <p:cNvPr id="2" name="Titre 1">
+            <a:extLst>
+              <a:ext uri="{FF2B5EF4-FFF2-40B4-BE49-F238E27FC236}">
+                <a16:creationId xmlns:a16="http://schemas.microsoft.com/office/drawing/2014/main" id="{8167723D-8AD5-1291-DEAD-B811F005E99C}"/>
+              </a:ext>
+            </a:extLst>
+          </p:cNvPr>
+          <p:cNvSpPr>
+            <a:spLocks noGrp="1"/>
+          </p:cNvSpPr>
+          <p:nvPr>
+            <p:ph type="title"/>
+          </p:nvPr>
+        </p:nvSpPr>
+        <p:spPr/>
+        <p:txBody>
+          <a:bodyPr/>
+          <a:lstStyle/>
+          <a:p>
+            <a:pPr algn="ctr"/>
+            <a:r>
+              <a:rPr lang="fr-FR" dirty="0">
+                <a:solidFill>
+                  <a:schemeClr val="accent1">
+                    <a:lumMod val="75000"/>
+                  </a:schemeClr>
+                </a:solidFill>
+              </a:rPr>
+              <a:t>Points forts de notre projet</a:t>
+            </a:r>
+          </a:p>
+        </p:txBody>
+      </p:sp>
+      <p:pic>
+        <p:nvPicPr>
+          <p:cNvPr id="4" name="Image 3" descr="Une image contenant Police, Graphique, logo, graphisme&#10;&#10;Description générée automatiquement">
+            <a:extLst>
+              <a:ext uri="{FF2B5EF4-FFF2-40B4-BE49-F238E27FC236}">
+                <a16:creationId xmlns:a16="http://schemas.microsoft.com/office/drawing/2014/main" id="{7605B171-AC4E-77DB-515E-CEE2F79EE4CD}"/>
+              </a:ext>
+            </a:extLst>
+          </p:cNvPr>
+          <p:cNvPicPr>
+            <a:picLocks noChangeAspect="1"/>
+          </p:cNvPicPr>
+          <p:nvPr/>
+        </p:nvPicPr>
+        <p:blipFill>
+          <a:blip r:embed="rId2">
+            <a:extLst>
+              <a:ext uri="{28A0092B-C50C-407E-A947-70E740481C1C}">
+                <a14:useLocalDpi xmlns:a14="http://schemas.microsoft.com/office/drawing/2010/main" val="0"/>
+              </a:ext>
+            </a:extLst>
+          </a:blip>
+          <a:stretch>
+            <a:fillRect/>
+          </a:stretch>
+        </p:blipFill>
+        <p:spPr>
+          <a:xfrm>
+            <a:off x="0" y="5894934"/>
+            <a:ext cx="3103984" cy="963066"/>
+          </a:xfrm>
+          <a:prstGeom prst="rect">
+            <a:avLst/>
+          </a:prstGeom>
+        </p:spPr>
+      </p:pic>
+      <p:sp>
+        <p:nvSpPr>
+          <p:cNvPr id="5" name="Flèche : droite 4">
+            <a:extLst>
+              <a:ext uri="{FF2B5EF4-FFF2-40B4-BE49-F238E27FC236}">
+                <a16:creationId xmlns:a16="http://schemas.microsoft.com/office/drawing/2014/main" id="{0BA0C430-8B73-4918-0DB7-48EFB13E897F}"/>
+              </a:ext>
+            </a:extLst>
+          </p:cNvPr>
+          <p:cNvSpPr/>
+          <p:nvPr/>
+        </p:nvSpPr>
+        <p:spPr>
+          <a:xfrm>
+            <a:off x="1860097" y="2413990"/>
+            <a:ext cx="1721303" cy="765110"/>
+          </a:xfrm>
+          <a:prstGeom prst="rightArrow">
+            <a:avLst>
+              <a:gd name="adj1" fmla="val 50000"/>
+              <a:gd name="adj2" fmla="val 98696"/>
+            </a:avLst>
+          </a:prstGeom>
+          <a:solidFill>
+            <a:srgbClr val="FF0000"/>
+          </a:solidFill>
+          <a:ln>
+            <a:solidFill>
+              <a:srgbClr val="C00000"/>
+            </a:solidFill>
+          </a:ln>
+        </p:spPr>
+        <p:style>
+          <a:lnRef idx="2">
+            <a:schemeClr val="accent1">
+              <a:shade val="15000"/>
+            </a:schemeClr>
+          </a:lnRef>
+          <a:fillRef idx="1">
+            <a:schemeClr val="accent1"/>
+          </a:fillRef>
+          <a:effectRef idx="0">
+            <a:schemeClr val="accent1"/>
+          </a:effectRef>
+          <a:fontRef idx="minor">
+            <a:schemeClr val="lt1"/>
+          </a:fontRef>
+        </p:style>
+        <p:txBody>
+          <a:bodyPr rtlCol="0" anchor="ctr"/>
+          <a:lstStyle/>
+          <a:p>
+            <a:pPr algn="ctr"/>
+            <a:endParaRPr lang="fr-FR" dirty="0"/>
+          </a:p>
+        </p:txBody>
+      </p:sp>
+      <p:sp>
+        <p:nvSpPr>
+          <p:cNvPr id="6" name="ZoneTexte 5">
+            <a:extLst>
+              <a:ext uri="{FF2B5EF4-FFF2-40B4-BE49-F238E27FC236}">
+                <a16:creationId xmlns:a16="http://schemas.microsoft.com/office/drawing/2014/main" id="{A6E07BF0-F56D-293D-5027-CF95A7AD4C05}"/>
+              </a:ext>
+            </a:extLst>
+          </p:cNvPr>
+          <p:cNvSpPr txBox="1"/>
+          <p:nvPr/>
+        </p:nvSpPr>
+        <p:spPr>
+          <a:xfrm>
+            <a:off x="4047152" y="2476139"/>
+            <a:ext cx="4097695" cy="646331"/>
+          </a:xfrm>
+          <a:prstGeom prst="rect">
+            <a:avLst/>
+          </a:prstGeom>
+          <a:noFill/>
+        </p:spPr>
+        <p:txBody>
+          <a:bodyPr wrap="square" rtlCol="0">
+            <a:spAutoFit/>
+          </a:bodyPr>
+          <a:lstStyle/>
+          <a:p>
+            <a:pPr algn="ctr"/>
+            <a:r>
+              <a:rPr lang="fr-FR" sz="3600" dirty="0">
+                <a:solidFill>
+                  <a:srgbClr val="FF0000"/>
+                </a:solidFill>
+              </a:rPr>
+              <a:t>Adressage indirect</a:t>
+            </a:r>
+          </a:p>
+        </p:txBody>
+      </p:sp>
+      <p:sp>
+        <p:nvSpPr>
+          <p:cNvPr id="3" name="ZoneTexte 2">
+            <a:extLst>
+              <a:ext uri="{FF2B5EF4-FFF2-40B4-BE49-F238E27FC236}">
+                <a16:creationId xmlns:a16="http://schemas.microsoft.com/office/drawing/2014/main" id="{55B24659-E7EC-13E5-7A2A-4E90CAEEFF92}"/>
+              </a:ext>
+            </a:extLst>
+          </p:cNvPr>
+          <p:cNvSpPr txBox="1"/>
+          <p:nvPr/>
+        </p:nvSpPr>
+        <p:spPr>
+          <a:xfrm>
+            <a:off x="838200" y="4247183"/>
+            <a:ext cx="10616682" cy="830997"/>
+          </a:xfrm>
+          <a:prstGeom prst="rect">
+            <a:avLst/>
+          </a:prstGeom>
+          <a:noFill/>
+        </p:spPr>
+        <p:txBody>
+          <a:bodyPr wrap="square" rtlCol="0">
+            <a:spAutoFit/>
+          </a:bodyPr>
+          <a:lstStyle/>
+          <a:p>
+            <a:pPr algn="ctr"/>
+            <a:r>
+              <a:rPr lang="fr-FR" sz="2400" dirty="0">
+                <a:solidFill>
+                  <a:schemeClr val="tx2"/>
+                </a:solidFill>
+              </a:rPr>
+              <a:t>Notre processeur est capable de prendre en charge les tableaux, ainsi que les pointeurs grâce à l’</a:t>
+            </a:r>
+            <a:r>
+              <a:rPr lang="fr-FR" sz="2400" dirty="0">
+                <a:solidFill>
+                  <a:srgbClr val="FF0000"/>
+                </a:solidFill>
+              </a:rPr>
+              <a:t>adressage indirect</a:t>
+            </a:r>
+            <a:r>
+              <a:rPr lang="fr-FR" sz="2400" dirty="0"/>
+              <a:t>. </a:t>
+            </a:r>
+          </a:p>
+        </p:txBody>
+      </p:sp>
+      <p:cxnSp>
+        <p:nvCxnSpPr>
+          <p:cNvPr id="10" name="Connecteur droit 9">
+            <a:extLst>
+              <a:ext uri="{FF2B5EF4-FFF2-40B4-BE49-F238E27FC236}">
+                <a16:creationId xmlns:a16="http://schemas.microsoft.com/office/drawing/2014/main" id="{BA5C98EE-C967-9DA3-F25A-4C476299831D}"/>
+              </a:ext>
+            </a:extLst>
+          </p:cNvPr>
+          <p:cNvCxnSpPr>
+            <a:cxnSpLocks/>
+          </p:cNvCxnSpPr>
+          <p:nvPr/>
+        </p:nvCxnSpPr>
+        <p:spPr>
+          <a:xfrm flipH="1">
+            <a:off x="838200" y="1569245"/>
+            <a:ext cx="10058400" cy="0"/>
+          </a:xfrm>
+          <a:prstGeom prst="line">
+            <a:avLst/>
+          </a:prstGeom>
+          <a:ln>
+            <a:solidFill>
+              <a:schemeClr val="tx2">
+                <a:lumMod val="90000"/>
+                <a:lumOff val="10000"/>
+              </a:schemeClr>
+            </a:solidFill>
+          </a:ln>
+        </p:spPr>
+        <p:style>
+          <a:lnRef idx="2">
+            <a:schemeClr val="accent1"/>
+          </a:lnRef>
+          <a:fillRef idx="0">
+            <a:schemeClr val="accent1"/>
+          </a:fillRef>
+          <a:effectRef idx="1">
+            <a:schemeClr val="accent1"/>
+          </a:effectRef>
+          <a:fontRef idx="minor">
+            <a:schemeClr val="tx1"/>
+          </a:fontRef>
+        </p:style>
+      </p:cxnSp>
+    </p:spTree>
+    <p:extLst>
+      <p:ext uri="{BB962C8B-B14F-4D97-AF65-F5344CB8AC3E}">
+        <p14:creationId xmlns:p14="http://schemas.microsoft.com/office/powerpoint/2010/main" val="2043895348"/>
       </p:ext>
     </p:extLst>
   </p:cSld>
